--- a/img/img.pptx
+++ b/img/img.pptx
@@ -6,6 +6,8 @@
   </p:sldMasterIdLst>
   <p:sldIdLst>
     <p:sldId id="256" r:id="rId2"/>
+    <p:sldId id="257" r:id="rId3"/>
+    <p:sldId id="258" r:id="rId4"/>
   </p:sldIdLst>
   <p:sldSz cx="12192000" cy="6858000"/>
   <p:notesSz cx="6858000" cy="9144000"/>
@@ -104,6 +106,11 @@
       </a:defRPr>
     </a:lvl9pPr>
   </p:defaultTextStyle>
+  <p:extLst>
+    <p:ext uri="{EFAFB233-063F-42B5-8137-9DF3F51BA10A}">
+      <p15:sldGuideLst xmlns:p15="http://schemas.microsoft.com/office/powerpoint/2012/main"/>
+    </p:ext>
+  </p:extLst>
 </p:presentation>
 </file>
 
@@ -254,7 +261,7 @@
           <a:p>
             <a:fld id="{C2024256-FF83-48D9-B311-00CFBFC7BF1A}" type="datetimeFigureOut">
               <a:rPr lang="ko-KR" altLang="en-US" smtClean="0"/>
-              <a:t>2023-01-12</a:t>
+              <a:t>2023-01-19</a:t>
             </a:fld>
             <a:endParaRPr lang="ko-KR" altLang="en-US"/>
           </a:p>
@@ -452,7 +459,7 @@
           <a:p>
             <a:fld id="{C2024256-FF83-48D9-B311-00CFBFC7BF1A}" type="datetimeFigureOut">
               <a:rPr lang="ko-KR" altLang="en-US" smtClean="0"/>
-              <a:t>2023-01-12</a:t>
+              <a:t>2023-01-19</a:t>
             </a:fld>
             <a:endParaRPr lang="ko-KR" altLang="en-US"/>
           </a:p>
@@ -660,7 +667,7 @@
           <a:p>
             <a:fld id="{C2024256-FF83-48D9-B311-00CFBFC7BF1A}" type="datetimeFigureOut">
               <a:rPr lang="ko-KR" altLang="en-US" smtClean="0"/>
-              <a:t>2023-01-12</a:t>
+              <a:t>2023-01-19</a:t>
             </a:fld>
             <a:endParaRPr lang="ko-KR" altLang="en-US"/>
           </a:p>
@@ -858,7 +865,7 @@
           <a:p>
             <a:fld id="{C2024256-FF83-48D9-B311-00CFBFC7BF1A}" type="datetimeFigureOut">
               <a:rPr lang="ko-KR" altLang="en-US" smtClean="0"/>
-              <a:t>2023-01-12</a:t>
+              <a:t>2023-01-19</a:t>
             </a:fld>
             <a:endParaRPr lang="ko-KR" altLang="en-US"/>
           </a:p>
@@ -1133,7 +1140,7 @@
           <a:p>
             <a:fld id="{C2024256-FF83-48D9-B311-00CFBFC7BF1A}" type="datetimeFigureOut">
               <a:rPr lang="ko-KR" altLang="en-US" smtClean="0"/>
-              <a:t>2023-01-12</a:t>
+              <a:t>2023-01-19</a:t>
             </a:fld>
             <a:endParaRPr lang="ko-KR" altLang="en-US"/>
           </a:p>
@@ -1398,7 +1405,7 @@
           <a:p>
             <a:fld id="{C2024256-FF83-48D9-B311-00CFBFC7BF1A}" type="datetimeFigureOut">
               <a:rPr lang="ko-KR" altLang="en-US" smtClean="0"/>
-              <a:t>2023-01-12</a:t>
+              <a:t>2023-01-19</a:t>
             </a:fld>
             <a:endParaRPr lang="ko-KR" altLang="en-US"/>
           </a:p>
@@ -1810,7 +1817,7 @@
           <a:p>
             <a:fld id="{C2024256-FF83-48D9-B311-00CFBFC7BF1A}" type="datetimeFigureOut">
               <a:rPr lang="ko-KR" altLang="en-US" smtClean="0"/>
-              <a:t>2023-01-12</a:t>
+              <a:t>2023-01-19</a:t>
             </a:fld>
             <a:endParaRPr lang="ko-KR" altLang="en-US"/>
           </a:p>
@@ -1951,7 +1958,7 @@
           <a:p>
             <a:fld id="{C2024256-FF83-48D9-B311-00CFBFC7BF1A}" type="datetimeFigureOut">
               <a:rPr lang="ko-KR" altLang="en-US" smtClean="0"/>
-              <a:t>2023-01-12</a:t>
+              <a:t>2023-01-19</a:t>
             </a:fld>
             <a:endParaRPr lang="ko-KR" altLang="en-US"/>
           </a:p>
@@ -2064,7 +2071,7 @@
           <a:p>
             <a:fld id="{C2024256-FF83-48D9-B311-00CFBFC7BF1A}" type="datetimeFigureOut">
               <a:rPr lang="ko-KR" altLang="en-US" smtClean="0"/>
-              <a:t>2023-01-12</a:t>
+              <a:t>2023-01-19</a:t>
             </a:fld>
             <a:endParaRPr lang="ko-KR" altLang="en-US"/>
           </a:p>
@@ -2375,7 +2382,7 @@
           <a:p>
             <a:fld id="{C2024256-FF83-48D9-B311-00CFBFC7BF1A}" type="datetimeFigureOut">
               <a:rPr lang="ko-KR" altLang="en-US" smtClean="0"/>
-              <a:t>2023-01-12</a:t>
+              <a:t>2023-01-19</a:t>
             </a:fld>
             <a:endParaRPr lang="ko-KR" altLang="en-US"/>
           </a:p>
@@ -2663,7 +2670,7 @@
           <a:p>
             <a:fld id="{C2024256-FF83-48D9-B311-00CFBFC7BF1A}" type="datetimeFigureOut">
               <a:rPr lang="ko-KR" altLang="en-US" smtClean="0"/>
-              <a:t>2023-01-12</a:t>
+              <a:t>2023-01-19</a:t>
             </a:fld>
             <a:endParaRPr lang="ko-KR" altLang="en-US"/>
           </a:p>
@@ -2904,7 +2911,7 @@
           <a:p>
             <a:fld id="{C2024256-FF83-48D9-B311-00CFBFC7BF1A}" type="datetimeFigureOut">
               <a:rPr lang="ko-KR" altLang="en-US" smtClean="0"/>
-              <a:t>2023-01-12</a:t>
+              <a:t>2023-01-19</a:t>
             </a:fld>
             <a:endParaRPr lang="ko-KR" altLang="en-US"/>
           </a:p>
@@ -3587,6 +3594,412 @@
 </p:sld>
 </file>
 
+<file path=ppt/slides/slide2.xml><?xml version="1.0" encoding="utf-8"?>
+<p:sld xmlns:a="http://schemas.openxmlformats.org/drawingml/2006/main" xmlns:r="http://schemas.openxmlformats.org/officeDocument/2006/relationships" xmlns:p="http://schemas.openxmlformats.org/presentationml/2006/main">
+  <p:cSld>
+    <p:spTree>
+      <p:nvGrpSpPr>
+        <p:cNvPr id="1" name=""/>
+        <p:cNvGrpSpPr/>
+        <p:nvPr/>
+      </p:nvGrpSpPr>
+      <p:grpSpPr>
+        <a:xfrm>
+          <a:off x="0" y="0"/>
+          <a:ext cx="0" cy="0"/>
+          <a:chOff x="0" y="0"/>
+          <a:chExt cx="0" cy="0"/>
+        </a:xfrm>
+      </p:grpSpPr>
+      <p:sp>
+        <p:nvSpPr>
+          <p:cNvPr id="23" name="직사각형 22">
+            <a:extLst>
+              <a:ext uri="{FF2B5EF4-FFF2-40B4-BE49-F238E27FC236}">
+                <a16:creationId xmlns:a16="http://schemas.microsoft.com/office/drawing/2014/main" id="{C697BDCD-1757-BCB8-2104-81B6BB182D71}"/>
+              </a:ext>
+            </a:extLst>
+          </p:cNvPr>
+          <p:cNvSpPr/>
+          <p:nvPr/>
+        </p:nvSpPr>
+        <p:spPr>
+          <a:xfrm>
+            <a:off x="2333069" y="1336675"/>
+            <a:ext cx="7525862" cy="4184650"/>
+          </a:xfrm>
+          <a:prstGeom prst="rect">
+            <a:avLst/>
+          </a:prstGeom>
+          <a:gradFill flip="none" rotWithShape="1">
+            <a:gsLst>
+              <a:gs pos="0">
+                <a:srgbClr val="190082"/>
+              </a:gs>
+              <a:gs pos="77000">
+                <a:srgbClr val="0B003A"/>
+              </a:gs>
+            </a:gsLst>
+            <a:path path="circle">
+              <a:fillToRect t="100000" r="100000"/>
+            </a:path>
+            <a:tileRect l="-100000" b="-100000"/>
+          </a:gradFill>
+          <a:ln>
+            <a:noFill/>
+          </a:ln>
+        </p:spPr>
+        <p:style>
+          <a:lnRef idx="2">
+            <a:schemeClr val="accent1">
+              <a:shade val="50000"/>
+            </a:schemeClr>
+          </a:lnRef>
+          <a:fillRef idx="1">
+            <a:schemeClr val="accent1"/>
+          </a:fillRef>
+          <a:effectRef idx="0">
+            <a:schemeClr val="accent1"/>
+          </a:effectRef>
+          <a:fontRef idx="minor">
+            <a:schemeClr val="lt1"/>
+          </a:fontRef>
+        </p:style>
+        <p:txBody>
+          <a:bodyPr rtlCol="0" anchor="ctr"/>
+          <a:lstStyle/>
+          <a:p>
+            <a:pPr algn="ctr"/>
+            <a:endParaRPr lang="ko-KR" altLang="en-US" dirty="0"/>
+          </a:p>
+        </p:txBody>
+      </p:sp>
+      <p:sp>
+        <p:nvSpPr>
+          <p:cNvPr id="24" name="직사각형 23">
+            <a:extLst>
+              <a:ext uri="{FF2B5EF4-FFF2-40B4-BE49-F238E27FC236}">
+                <a16:creationId xmlns:a16="http://schemas.microsoft.com/office/drawing/2014/main" id="{BC8F5B01-7A3F-A8B7-B093-A1A10415779D}"/>
+              </a:ext>
+            </a:extLst>
+          </p:cNvPr>
+          <p:cNvSpPr/>
+          <p:nvPr/>
+        </p:nvSpPr>
+        <p:spPr>
+          <a:xfrm>
+            <a:off x="3780719" y="1336675"/>
+            <a:ext cx="114300" cy="4184650"/>
+          </a:xfrm>
+          <a:prstGeom prst="rect">
+            <a:avLst/>
+          </a:prstGeom>
+          <a:gradFill>
+            <a:gsLst>
+              <a:gs pos="0">
+                <a:srgbClr val="190082"/>
+              </a:gs>
+              <a:gs pos="77000">
+                <a:srgbClr val="0B003A"/>
+              </a:gs>
+            </a:gsLst>
+            <a:path path="circle">
+              <a:fillToRect t="100000" r="100000"/>
+            </a:path>
+          </a:gradFill>
+          <a:ln>
+            <a:noFill/>
+          </a:ln>
+        </p:spPr>
+        <p:style>
+          <a:lnRef idx="2">
+            <a:schemeClr val="accent1">
+              <a:shade val="50000"/>
+            </a:schemeClr>
+          </a:lnRef>
+          <a:fillRef idx="1">
+            <a:schemeClr val="accent1"/>
+          </a:fillRef>
+          <a:effectRef idx="0">
+            <a:schemeClr val="accent1"/>
+          </a:effectRef>
+          <a:fontRef idx="minor">
+            <a:schemeClr val="lt1"/>
+          </a:fontRef>
+        </p:style>
+        <p:txBody>
+          <a:bodyPr rtlCol="0" anchor="ctr"/>
+          <a:lstStyle/>
+          <a:p>
+            <a:pPr algn="ctr"/>
+            <a:endParaRPr lang="ko-KR" altLang="en-US" dirty="0"/>
+          </a:p>
+        </p:txBody>
+      </p:sp>
+      <p:sp>
+        <p:nvSpPr>
+          <p:cNvPr id="2" name="TextBox 1">
+            <a:extLst>
+              <a:ext uri="{FF2B5EF4-FFF2-40B4-BE49-F238E27FC236}">
+                <a16:creationId xmlns:a16="http://schemas.microsoft.com/office/drawing/2014/main" id="{7BD2BDED-671F-CEEB-E110-2DDBBA1CF2EA}"/>
+              </a:ext>
+            </a:extLst>
+          </p:cNvPr>
+          <p:cNvSpPr txBox="1"/>
+          <p:nvPr/>
+        </p:nvSpPr>
+        <p:spPr>
+          <a:xfrm>
+            <a:off x="8694830" y="5151993"/>
+            <a:ext cx="1164101" cy="369332"/>
+          </a:xfrm>
+          <a:prstGeom prst="rect">
+            <a:avLst/>
+          </a:prstGeom>
+          <a:noFill/>
+        </p:spPr>
+        <p:txBody>
+          <a:bodyPr wrap="none" rtlCol="0">
+            <a:spAutoFit/>
+          </a:bodyPr>
+          <a:lstStyle/>
+          <a:p>
+            <a:r>
+              <a:rPr lang="en-US" altLang="ko-KR" dirty="0">
+                <a:solidFill>
+                  <a:schemeClr val="bg1"/>
+                </a:solidFill>
+                <a:latin typeface="Circular Std Bold" panose="020B0804020101010102" pitchFamily="34" charset="0"/>
+                <a:cs typeface="Circular Std Bold" panose="020B0804020101010102" pitchFamily="34" charset="0"/>
+              </a:rPr>
+              <a:t>Frontend</a:t>
+            </a:r>
+            <a:endParaRPr lang="ko-KR" altLang="en-US" dirty="0">
+              <a:solidFill>
+                <a:schemeClr val="bg1"/>
+              </a:solidFill>
+              <a:latin typeface="Circular Std Bold" panose="020B0804020101010102" pitchFamily="34" charset="0"/>
+              <a:cs typeface="Circular Std Bold" panose="020B0804020101010102" pitchFamily="34" charset="0"/>
+            </a:endParaRPr>
+          </a:p>
+        </p:txBody>
+      </p:sp>
+    </p:spTree>
+    <p:extLst>
+      <p:ext uri="{BB962C8B-B14F-4D97-AF65-F5344CB8AC3E}">
+        <p14:creationId xmlns:p14="http://schemas.microsoft.com/office/powerpoint/2010/main" val="2188351910"/>
+      </p:ext>
+    </p:extLst>
+  </p:cSld>
+  <p:clrMapOvr>
+    <a:masterClrMapping/>
+  </p:clrMapOvr>
+</p:sld>
+</file>
+
+<file path=ppt/slides/slide3.xml><?xml version="1.0" encoding="utf-8"?>
+<p:sld xmlns:a="http://schemas.openxmlformats.org/drawingml/2006/main" xmlns:r="http://schemas.openxmlformats.org/officeDocument/2006/relationships" xmlns:p="http://schemas.openxmlformats.org/presentationml/2006/main">
+  <p:cSld>
+    <p:spTree>
+      <p:nvGrpSpPr>
+        <p:cNvPr id="1" name=""/>
+        <p:cNvGrpSpPr/>
+        <p:nvPr/>
+      </p:nvGrpSpPr>
+      <p:grpSpPr>
+        <a:xfrm>
+          <a:off x="0" y="0"/>
+          <a:ext cx="0" cy="0"/>
+          <a:chOff x="0" y="0"/>
+          <a:chExt cx="0" cy="0"/>
+        </a:xfrm>
+      </p:grpSpPr>
+      <p:sp>
+        <p:nvSpPr>
+          <p:cNvPr id="7" name="직사각형 6">
+            <a:extLst>
+              <a:ext uri="{FF2B5EF4-FFF2-40B4-BE49-F238E27FC236}">
+                <a16:creationId xmlns:a16="http://schemas.microsoft.com/office/drawing/2014/main" id="{EF6569E1-0240-E2C9-33FB-E773DF0BFD26}"/>
+              </a:ext>
+            </a:extLst>
+          </p:cNvPr>
+          <p:cNvSpPr/>
+          <p:nvPr/>
+        </p:nvSpPr>
+        <p:spPr>
+          <a:xfrm>
+            <a:off x="2333069" y="1336675"/>
+            <a:ext cx="7525862" cy="115200"/>
+          </a:xfrm>
+          <a:prstGeom prst="rect">
+            <a:avLst/>
+          </a:prstGeom>
+          <a:gradFill flip="none" rotWithShape="1">
+            <a:gsLst>
+              <a:gs pos="0">
+                <a:srgbClr val="190082"/>
+              </a:gs>
+              <a:gs pos="77000">
+                <a:srgbClr val="0B003A"/>
+              </a:gs>
+            </a:gsLst>
+            <a:path path="circle">
+              <a:fillToRect t="100000" r="100000"/>
+            </a:path>
+            <a:tileRect l="-100000" b="-100000"/>
+          </a:gradFill>
+          <a:ln>
+            <a:noFill/>
+          </a:ln>
+        </p:spPr>
+        <p:style>
+          <a:lnRef idx="2">
+            <a:schemeClr val="accent1">
+              <a:shade val="50000"/>
+            </a:schemeClr>
+          </a:lnRef>
+          <a:fillRef idx="1">
+            <a:schemeClr val="accent1"/>
+          </a:fillRef>
+          <a:effectRef idx="0">
+            <a:schemeClr val="accent1"/>
+          </a:effectRef>
+          <a:fontRef idx="minor">
+            <a:schemeClr val="lt1"/>
+          </a:fontRef>
+        </p:style>
+        <p:txBody>
+          <a:bodyPr rtlCol="0" anchor="ctr"/>
+          <a:lstStyle/>
+          <a:p>
+            <a:pPr algn="ctr"/>
+            <a:endParaRPr lang="ko-KR" altLang="en-US" dirty="0"/>
+          </a:p>
+        </p:txBody>
+      </p:sp>
+      <p:sp>
+        <p:nvSpPr>
+          <p:cNvPr id="8" name="직사각형 7">
+            <a:extLst>
+              <a:ext uri="{FF2B5EF4-FFF2-40B4-BE49-F238E27FC236}">
+                <a16:creationId xmlns:a16="http://schemas.microsoft.com/office/drawing/2014/main" id="{A5B05E8B-D3DA-63B6-CA93-4DA8F4E3B8FF}"/>
+              </a:ext>
+            </a:extLst>
+          </p:cNvPr>
+          <p:cNvSpPr/>
+          <p:nvPr/>
+        </p:nvSpPr>
+        <p:spPr>
+          <a:xfrm>
+            <a:off x="3780719" y="1336676"/>
+            <a:ext cx="114300" cy="115200"/>
+          </a:xfrm>
+          <a:prstGeom prst="rect">
+            <a:avLst/>
+          </a:prstGeom>
+          <a:gradFill>
+            <a:gsLst>
+              <a:gs pos="0">
+                <a:srgbClr val="190082"/>
+              </a:gs>
+              <a:gs pos="77000">
+                <a:srgbClr val="0B003A"/>
+              </a:gs>
+            </a:gsLst>
+            <a:path path="circle">
+              <a:fillToRect t="100000" r="100000"/>
+            </a:path>
+          </a:gradFill>
+          <a:ln>
+            <a:noFill/>
+          </a:ln>
+        </p:spPr>
+        <p:style>
+          <a:lnRef idx="2">
+            <a:schemeClr val="accent1">
+              <a:shade val="50000"/>
+            </a:schemeClr>
+          </a:lnRef>
+          <a:fillRef idx="1">
+            <a:schemeClr val="accent1"/>
+          </a:fillRef>
+          <a:effectRef idx="0">
+            <a:schemeClr val="accent1"/>
+          </a:effectRef>
+          <a:fontRef idx="minor">
+            <a:schemeClr val="lt1"/>
+          </a:fontRef>
+        </p:style>
+        <p:txBody>
+          <a:bodyPr rtlCol="0" anchor="ctr"/>
+          <a:lstStyle/>
+          <a:p>
+            <a:pPr algn="ctr"/>
+            <a:endParaRPr lang="ko-KR" altLang="en-US" dirty="0"/>
+          </a:p>
+        </p:txBody>
+      </p:sp>
+      <p:sp>
+        <p:nvSpPr>
+          <p:cNvPr id="9" name="TextBox 8">
+            <a:extLst>
+              <a:ext uri="{FF2B5EF4-FFF2-40B4-BE49-F238E27FC236}">
+                <a16:creationId xmlns:a16="http://schemas.microsoft.com/office/drawing/2014/main" id="{0599E089-E33D-93F7-8B01-AE4DF24990D3}"/>
+              </a:ext>
+            </a:extLst>
+          </p:cNvPr>
+          <p:cNvSpPr txBox="1"/>
+          <p:nvPr/>
+        </p:nvSpPr>
+        <p:spPr>
+          <a:xfrm>
+            <a:off x="8694830" y="5151993"/>
+            <a:ext cx="1164101" cy="369332"/>
+          </a:xfrm>
+          <a:prstGeom prst="rect">
+            <a:avLst/>
+          </a:prstGeom>
+          <a:noFill/>
+        </p:spPr>
+        <p:txBody>
+          <a:bodyPr wrap="none" rtlCol="0">
+            <a:spAutoFit/>
+          </a:bodyPr>
+          <a:lstStyle/>
+          <a:p>
+            <a:r>
+              <a:rPr lang="en-US" altLang="ko-KR" dirty="0">
+                <a:solidFill>
+                  <a:schemeClr val="bg1"/>
+                </a:solidFill>
+                <a:latin typeface="Circular Std Bold" panose="020B0804020101010102" pitchFamily="34" charset="0"/>
+                <a:cs typeface="Circular Std Bold" panose="020B0804020101010102" pitchFamily="34" charset="0"/>
+              </a:rPr>
+              <a:t>Frontend</a:t>
+            </a:r>
+            <a:endParaRPr lang="ko-KR" altLang="en-US" dirty="0">
+              <a:solidFill>
+                <a:schemeClr val="bg1"/>
+              </a:solidFill>
+              <a:latin typeface="Circular Std Bold" panose="020B0804020101010102" pitchFamily="34" charset="0"/>
+              <a:cs typeface="Circular Std Bold" panose="020B0804020101010102" pitchFamily="34" charset="0"/>
+            </a:endParaRPr>
+          </a:p>
+        </p:txBody>
+      </p:sp>
+    </p:spTree>
+    <p:extLst>
+      <p:ext uri="{BB962C8B-B14F-4D97-AF65-F5344CB8AC3E}">
+        <p14:creationId xmlns:p14="http://schemas.microsoft.com/office/powerpoint/2010/main" val="1560684532"/>
+      </p:ext>
+    </p:extLst>
+  </p:cSld>
+  <p:clrMapOvr>
+    <a:masterClrMapping/>
+  </p:clrMapOvr>
+</p:sld>
+</file>
+
 <file path=ppt/theme/theme1.xml><?xml version="1.0" encoding="utf-8"?>
 <a:theme xmlns:a="http://schemas.openxmlformats.org/drawingml/2006/main" name="Office 테마">
   <a:themeElements>
